--- a/基于HPC的攻击检测.pptx
+++ b/基于HPC的攻击检测.pptx
@@ -124,6 +124,11 @@
       </a:defRPr>
     </a:lvl9pPr>
   </p:defaultTextStyle>
+  <p:extLst>
+    <p:ext uri="{EFAFB233-063F-42B5-8137-9DF3F51BA10A}">
+      <p15:sldGuideLst xmlns:p15="http://schemas.microsoft.com/office/powerpoint/2012/main"/>
+    </p:ext>
+  </p:extLst>
 </p:presentation>
 </file>
 
@@ -209,7 +214,7 @@
           <a:p>
             <a:fld id="{26D34A26-E8C4-4C37-B6EB-6B32077F376F}" type="datetimeFigureOut">
               <a:rPr lang="zh-CN" altLang="en-US" smtClean="0"/>
-              <a:t>2019/12/28</a:t>
+              <a:t>2019/12/31</a:t>
             </a:fld>
             <a:endParaRPr lang="zh-CN" altLang="en-US"/>
           </a:p>
@@ -707,7 +712,7 @@
           <a:p>
             <a:fld id="{A0B95251-E1E9-465B-A63F-747916FB04F1}" type="datetimeFigureOut">
               <a:rPr lang="zh-CN" altLang="en-US" smtClean="0"/>
-              <a:t>2019/12/28</a:t>
+              <a:t>2019/12/31</a:t>
             </a:fld>
             <a:endParaRPr lang="zh-CN" altLang="en-US"/>
           </a:p>
@@ -905,7 +910,7 @@
           <a:p>
             <a:fld id="{A0B95251-E1E9-465B-A63F-747916FB04F1}" type="datetimeFigureOut">
               <a:rPr lang="zh-CN" altLang="en-US" smtClean="0"/>
-              <a:t>2019/12/28</a:t>
+              <a:t>2019/12/31</a:t>
             </a:fld>
             <a:endParaRPr lang="zh-CN" altLang="en-US"/>
           </a:p>
@@ -1113,7 +1118,7 @@
           <a:p>
             <a:fld id="{A0B95251-E1E9-465B-A63F-747916FB04F1}" type="datetimeFigureOut">
               <a:rPr lang="zh-CN" altLang="en-US" smtClean="0"/>
-              <a:t>2019/12/28</a:t>
+              <a:t>2019/12/31</a:t>
             </a:fld>
             <a:endParaRPr lang="zh-CN" altLang="en-US"/>
           </a:p>
@@ -1311,7 +1316,7 @@
           <a:p>
             <a:fld id="{A0B95251-E1E9-465B-A63F-747916FB04F1}" type="datetimeFigureOut">
               <a:rPr lang="zh-CN" altLang="en-US" smtClean="0"/>
-              <a:t>2019/12/28</a:t>
+              <a:t>2019/12/31</a:t>
             </a:fld>
             <a:endParaRPr lang="zh-CN" altLang="en-US"/>
           </a:p>
@@ -1586,7 +1591,7 @@
           <a:p>
             <a:fld id="{A0B95251-E1E9-465B-A63F-747916FB04F1}" type="datetimeFigureOut">
               <a:rPr lang="zh-CN" altLang="en-US" smtClean="0"/>
-              <a:t>2019/12/28</a:t>
+              <a:t>2019/12/31</a:t>
             </a:fld>
             <a:endParaRPr lang="zh-CN" altLang="en-US"/>
           </a:p>
@@ -1851,7 +1856,7 @@
           <a:p>
             <a:fld id="{A0B95251-E1E9-465B-A63F-747916FB04F1}" type="datetimeFigureOut">
               <a:rPr lang="zh-CN" altLang="en-US" smtClean="0"/>
-              <a:t>2019/12/28</a:t>
+              <a:t>2019/12/31</a:t>
             </a:fld>
             <a:endParaRPr lang="zh-CN" altLang="en-US"/>
           </a:p>
@@ -2263,7 +2268,7 @@
           <a:p>
             <a:fld id="{A0B95251-E1E9-465B-A63F-747916FB04F1}" type="datetimeFigureOut">
               <a:rPr lang="zh-CN" altLang="en-US" smtClean="0"/>
-              <a:t>2019/12/28</a:t>
+              <a:t>2019/12/31</a:t>
             </a:fld>
             <a:endParaRPr lang="zh-CN" altLang="en-US"/>
           </a:p>
@@ -2404,7 +2409,7 @@
           <a:p>
             <a:fld id="{A0B95251-E1E9-465B-A63F-747916FB04F1}" type="datetimeFigureOut">
               <a:rPr lang="zh-CN" altLang="en-US" smtClean="0"/>
-              <a:t>2019/12/28</a:t>
+              <a:t>2019/12/31</a:t>
             </a:fld>
             <a:endParaRPr lang="zh-CN" altLang="en-US"/>
           </a:p>
@@ -2517,7 +2522,7 @@
           <a:p>
             <a:fld id="{A0B95251-E1E9-465B-A63F-747916FB04F1}" type="datetimeFigureOut">
               <a:rPr lang="zh-CN" altLang="en-US" smtClean="0"/>
-              <a:t>2019/12/28</a:t>
+              <a:t>2019/12/31</a:t>
             </a:fld>
             <a:endParaRPr lang="zh-CN" altLang="en-US"/>
           </a:p>
@@ -2828,7 +2833,7 @@
           <a:p>
             <a:fld id="{A0B95251-E1E9-465B-A63F-747916FB04F1}" type="datetimeFigureOut">
               <a:rPr lang="zh-CN" altLang="en-US" smtClean="0"/>
-              <a:t>2019/12/28</a:t>
+              <a:t>2019/12/31</a:t>
             </a:fld>
             <a:endParaRPr lang="zh-CN" altLang="en-US"/>
           </a:p>
@@ -3116,7 +3121,7 @@
           <a:p>
             <a:fld id="{A0B95251-E1E9-465B-A63F-747916FB04F1}" type="datetimeFigureOut">
               <a:rPr lang="zh-CN" altLang="en-US" smtClean="0"/>
-              <a:t>2019/12/28</a:t>
+              <a:t>2019/12/31</a:t>
             </a:fld>
             <a:endParaRPr lang="zh-CN" altLang="en-US"/>
           </a:p>
@@ -3357,7 +3362,7 @@
           <a:p>
             <a:fld id="{A0B95251-E1E9-465B-A63F-747916FB04F1}" type="datetimeFigureOut">
               <a:rPr lang="zh-CN" altLang="en-US" smtClean="0"/>
-              <a:t>2019/12/28</a:t>
+              <a:t>2019/12/31</a:t>
             </a:fld>
             <a:endParaRPr lang="zh-CN" altLang="en-US"/>
           </a:p>
@@ -3823,7 +3828,33 @@
           <a:bodyPr/>
           <a:lstStyle/>
           <a:p>
-            <a:endParaRPr lang="zh-CN" altLang="en-US"/>
+            <a:r>
+              <a:rPr lang="en-US" altLang="zh-CN" dirty="0"/>
+              <a:t>2016 Applied Soft Computing</a:t>
+            </a:r>
+          </a:p>
+          <a:p>
+            <a:r>
+              <a:rPr lang="en-US" altLang="zh-CN" dirty="0"/>
+              <a:t>Marco </a:t>
+            </a:r>
+            <a:r>
+              <a:rPr lang="en-US" altLang="zh-CN" dirty="0" err="1"/>
+              <a:t>Chiappetta,Erkay</a:t>
+            </a:r>
+            <a:r>
+              <a:rPr lang="en-US" altLang="zh-CN" dirty="0"/>
+              <a:t> </a:t>
+            </a:r>
+            <a:r>
+              <a:rPr lang="en-US" altLang="zh-CN" dirty="0" err="1"/>
+              <a:t>Savas,Cemal</a:t>
+            </a:r>
+            <a:r>
+              <a:rPr lang="en-US" altLang="zh-CN" dirty="0"/>
+              <a:t> Yilmaz</a:t>
+            </a:r>
+            <a:endParaRPr lang="zh-CN" altLang="en-US" dirty="0"/>
           </a:p>
         </p:txBody>
       </p:sp>
@@ -4121,8 +4152,8 @@
           </a:p>
         </p:txBody>
       </p:sp>
-      <mc:AlternateContent xmlns:mc="http://schemas.openxmlformats.org/markup-compatibility/2006">
-        <mc:Choice xmlns:a14="http://schemas.microsoft.com/office/drawing/2010/main" Requires="a14">
+      <mc:AlternateContent xmlns:mc="http://schemas.openxmlformats.org/markup-compatibility/2006" xmlns:a14="http://schemas.microsoft.com/office/drawing/2010/main">
+        <mc:Choice Requires="a14">
           <p:sp>
             <p:nvSpPr>
               <p:cNvPr id="4" name="文本框 3">
@@ -4247,18 +4278,24 @@
                     <m:sSub>
                       <m:sSubPr>
                         <m:ctrlPr>
-                          <a:rPr lang="zh-CN" altLang="zh-CN" i="1"/>
+                          <a:rPr lang="zh-CN" altLang="zh-CN" i="1">
+                            <a:latin typeface="Cambria Math" panose="02040503050406030204" pitchFamily="18" charset="0"/>
+                          </a:rPr>
                         </m:ctrlPr>
                       </m:sSubPr>
                       <m:e>
                         <m:r>
-                          <a:rPr lang="en-US" altLang="zh-CN" i="1"/>
+                          <a:rPr lang="en-US" altLang="zh-CN" i="1">
+                            <a:latin typeface="Cambria Math" panose="02040503050406030204" pitchFamily="18" charset="0"/>
+                          </a:rPr>
                           <m:t>𝑥</m:t>
                         </m:r>
                       </m:e>
                       <m:sub>
                         <m:r>
-                          <a:rPr lang="en-US" altLang="zh-CN" i="1"/>
+                          <a:rPr lang="en-US" altLang="zh-CN" i="1">
+                            <a:latin typeface="Cambria Math" panose="02040503050406030204" pitchFamily="18" charset="0"/>
+                          </a:rPr>
                           <m:t>𝑗</m:t>
                         </m:r>
                       </m:sub>
@@ -4274,18 +4311,24 @@
                     <m:sSub>
                       <m:sSubPr>
                         <m:ctrlPr>
-                          <a:rPr lang="zh-CN" altLang="zh-CN" i="1"/>
+                          <a:rPr lang="zh-CN" altLang="zh-CN" i="1">
+                            <a:latin typeface="Cambria Math" panose="02040503050406030204" pitchFamily="18" charset="0"/>
+                          </a:rPr>
                         </m:ctrlPr>
                       </m:sSubPr>
                       <m:e>
                         <m:r>
-                          <a:rPr lang="en-US" altLang="zh-CN" i="1"/>
+                          <a:rPr lang="en-US" altLang="zh-CN" i="1">
+                            <a:latin typeface="Cambria Math" panose="02040503050406030204" pitchFamily="18" charset="0"/>
+                          </a:rPr>
                           <m:t>µ</m:t>
                         </m:r>
                       </m:e>
                       <m:sub>
                         <m:r>
-                          <a:rPr lang="en-US" altLang="zh-CN" i="1"/>
+                          <a:rPr lang="en-US" altLang="zh-CN" i="1">
+                            <a:latin typeface="Cambria Math" panose="02040503050406030204" pitchFamily="18" charset="0"/>
+                          </a:rPr>
                           <m:t>𝑗</m:t>
                         </m:r>
                       </m:sub>
@@ -4301,24 +4344,32 @@
                     <m:sSubSup>
                       <m:sSubSupPr>
                         <m:ctrlPr>
-                          <a:rPr lang="zh-CN" altLang="zh-CN" i="1"/>
+                          <a:rPr lang="zh-CN" altLang="zh-CN" i="1">
+                            <a:latin typeface="Cambria Math" panose="02040503050406030204" pitchFamily="18" charset="0"/>
+                          </a:rPr>
                         </m:ctrlPr>
                       </m:sSubSupPr>
                       <m:e>
                         <m:r>
-                          <a:rPr lang="en-US" altLang="zh-CN" i="1"/>
+                          <a:rPr lang="en-US" altLang="zh-CN" i="1">
+                            <a:latin typeface="Cambria Math" panose="02040503050406030204" pitchFamily="18" charset="0"/>
+                          </a:rPr>
                           <m:t>𝜎</m:t>
                         </m:r>
                       </m:e>
                       <m:sub>
                         <m:r>
-                          <a:rPr lang="en-US" altLang="zh-CN" i="1"/>
+                          <a:rPr lang="en-US" altLang="zh-CN" i="1">
+                            <a:latin typeface="Cambria Math" panose="02040503050406030204" pitchFamily="18" charset="0"/>
+                          </a:rPr>
                           <m:t>𝑗</m:t>
                         </m:r>
                       </m:sub>
                       <m:sup>
                         <m:r>
-                          <a:rPr lang="en-US" altLang="zh-CN" i="1"/>
+                          <a:rPr lang="en-US" altLang="zh-CN" i="1">
+                            <a:latin typeface="Cambria Math" panose="02040503050406030204" pitchFamily="18" charset="0"/>
+                          </a:rPr>
                           <m:t>2</m:t>
                         </m:r>
                       </m:sup>
@@ -4376,52 +4427,70 @@
                         <m:subHide m:val="on"/>
                         <m:supHide m:val="on"/>
                         <m:ctrlPr>
-                          <a:rPr lang="zh-CN" altLang="zh-CN" i="1"/>
+                          <a:rPr lang="zh-CN" altLang="zh-CN" i="1">
+                            <a:latin typeface="Cambria Math" panose="02040503050406030204" pitchFamily="18" charset="0"/>
+                          </a:rPr>
                         </m:ctrlPr>
                       </m:naryPr>
                       <m:sub/>
                       <m:sup/>
                       <m:e>
                         <m:r>
-                          <a:rPr lang="en-US" altLang="zh-CN" i="1"/>
+                          <a:rPr lang="en-US" altLang="zh-CN" i="1">
+                            <a:latin typeface="Cambria Math" panose="02040503050406030204" pitchFamily="18" charset="0"/>
+                          </a:rPr>
                           <m:t>𝑝</m:t>
                         </m:r>
                         <m:r>
-                          <a:rPr lang="en-US" altLang="zh-CN" i="1"/>
+                          <a:rPr lang="en-US" altLang="zh-CN" i="1">
+                            <a:latin typeface="Cambria Math" panose="02040503050406030204" pitchFamily="18" charset="0"/>
+                          </a:rPr>
                           <m:t>(</m:t>
                         </m:r>
                         <m:sSub>
                           <m:sSubPr>
                             <m:ctrlPr>
-                              <a:rPr lang="zh-CN" altLang="zh-CN" i="1"/>
+                              <a:rPr lang="zh-CN" altLang="zh-CN" i="1">
+                                <a:latin typeface="Cambria Math" panose="02040503050406030204" pitchFamily="18" charset="0"/>
+                              </a:rPr>
                             </m:ctrlPr>
                           </m:sSubPr>
                           <m:e>
                             <m:r>
-                              <a:rPr lang="en-US" altLang="zh-CN" i="1"/>
+                              <a:rPr lang="en-US" altLang="zh-CN" i="1">
+                                <a:latin typeface="Cambria Math" panose="02040503050406030204" pitchFamily="18" charset="0"/>
+                              </a:rPr>
                               <m:t>𝑥</m:t>
                             </m:r>
                           </m:e>
                           <m:sub>
                             <m:r>
-                              <a:rPr lang="en-US" altLang="zh-CN" i="1"/>
+                              <a:rPr lang="en-US" altLang="zh-CN" i="1">
+                                <a:latin typeface="Cambria Math" panose="02040503050406030204" pitchFamily="18" charset="0"/>
+                              </a:rPr>
                               <m:t>𝑗</m:t>
                             </m:r>
                           </m:sub>
                         </m:sSub>
                         <m:r>
-                          <a:rPr lang="en-US" altLang="zh-CN"/>
+                          <a:rPr lang="en-US" altLang="zh-CN">
+                            <a:latin typeface="Cambria Math" panose="02040503050406030204" pitchFamily="18" charset="0"/>
+                          </a:rPr>
                           <m:t>;</m:t>
                         </m:r>
                         <m:sSub>
                           <m:sSubPr>
                             <m:ctrlPr>
-                              <a:rPr lang="zh-CN" altLang="zh-CN" i="1"/>
+                              <a:rPr lang="zh-CN" altLang="zh-CN" i="1">
+                                <a:latin typeface="Cambria Math" panose="02040503050406030204" pitchFamily="18" charset="0"/>
+                              </a:rPr>
                             </m:ctrlPr>
                           </m:sSubPr>
                           <m:e>
                             <m:r>
-                              <a:rPr lang="en-US" altLang="zh-CN"/>
+                              <a:rPr lang="en-US" altLang="zh-CN">
+                                <a:latin typeface="Cambria Math" panose="02040503050406030204" pitchFamily="18" charset="0"/>
+                              </a:rPr>
                               <m:t>µ</m:t>
                             </m:r>
                           </m:e>
@@ -4430,19 +4499,25 @@
                               <m:rPr>
                                 <m:sty m:val="p"/>
                               </m:rPr>
-                              <a:rPr lang="en-US" altLang="zh-CN"/>
+                              <a:rPr lang="en-US" altLang="zh-CN">
+                                <a:latin typeface="Cambria Math" panose="02040503050406030204" pitchFamily="18" charset="0"/>
+                              </a:rPr>
                               <m:t>j</m:t>
                             </m:r>
                           </m:sub>
                         </m:sSub>
                         <m:r>
-                          <a:rPr lang="en-US" altLang="zh-CN"/>
+                          <a:rPr lang="en-US" altLang="zh-CN">
+                            <a:latin typeface="Cambria Math" panose="02040503050406030204" pitchFamily="18" charset="0"/>
+                          </a:rPr>
                           <m:t>,</m:t>
                         </m:r>
                         <m:sSubSup>
                           <m:sSubSupPr>
                             <m:ctrlPr>
-                              <a:rPr lang="zh-CN" altLang="zh-CN" i="1"/>
+                              <a:rPr lang="zh-CN" altLang="zh-CN" i="1">
+                                <a:latin typeface="Cambria Math" panose="02040503050406030204" pitchFamily="18" charset="0"/>
+                              </a:rPr>
                             </m:ctrlPr>
                           </m:sSubSupPr>
                           <m:e>
@@ -4450,7 +4525,9 @@
                               <m:rPr>
                                 <m:sty m:val="p"/>
                               </m:rPr>
-                              <a:rPr lang="en-US" altLang="zh-CN"/>
+                              <a:rPr lang="en-US" altLang="zh-CN">
+                                <a:latin typeface="Cambria Math" panose="02040503050406030204" pitchFamily="18" charset="0"/>
+                              </a:rPr>
                               <m:t>σ</m:t>
                             </m:r>
                           </m:e>
@@ -4459,19 +4536,25 @@
                               <m:rPr>
                                 <m:sty m:val="p"/>
                               </m:rPr>
-                              <a:rPr lang="en-US" altLang="zh-CN"/>
+                              <a:rPr lang="en-US" altLang="zh-CN">
+                                <a:latin typeface="Cambria Math" panose="02040503050406030204" pitchFamily="18" charset="0"/>
+                              </a:rPr>
                               <m:t>j</m:t>
                             </m:r>
                           </m:sub>
                           <m:sup>
                             <m:r>
-                              <a:rPr lang="en-US" altLang="zh-CN"/>
+                              <a:rPr lang="en-US" altLang="zh-CN">
+                                <a:latin typeface="Cambria Math" panose="02040503050406030204" pitchFamily="18" charset="0"/>
+                              </a:rPr>
                               <m:t>2</m:t>
                             </m:r>
                           </m:sup>
                         </m:sSubSup>
                         <m:r>
-                          <a:rPr lang="en-US" altLang="zh-CN" i="1"/>
+                          <a:rPr lang="en-US" altLang="zh-CN" i="1">
+                            <a:latin typeface="Cambria Math" panose="02040503050406030204" pitchFamily="18" charset="0"/>
+                          </a:rPr>
                           <m:t>)</m:t>
                         </m:r>
                       </m:e>
@@ -4551,7 +4634,7 @@
             </p:txBody>
           </p:sp>
         </mc:Choice>
-        <mc:Fallback>
+        <mc:Fallback xmlns="">
           <p:sp>
             <p:nvSpPr>
               <p:cNvPr id="4" name="文本框 3">
@@ -6012,8 +6095,8 @@
           </a:prstGeom>
         </p:spPr>
       </p:pic>
-      <mc:AlternateContent xmlns:mc="http://schemas.openxmlformats.org/markup-compatibility/2006">
-        <mc:Choice xmlns:a14="http://schemas.microsoft.com/office/drawing/2010/main" Requires="a14">
+      <mc:AlternateContent xmlns:mc="http://schemas.openxmlformats.org/markup-compatibility/2006" xmlns:a14="http://schemas.microsoft.com/office/drawing/2010/main">
+        <mc:Choice Requires="a14">
           <p:sp>
             <p:nvSpPr>
               <p:cNvPr id="6" name="文本框 5">
@@ -6090,7 +6173,7 @@
             </p:txBody>
           </p:sp>
         </mc:Choice>
-        <mc:Fallback>
+        <mc:Fallback xmlns="">
           <p:sp>
             <p:nvSpPr>
               <p:cNvPr id="6" name="文本框 5">
@@ -6494,8 +6577,8 @@
           </a:p>
         </p:txBody>
       </p:sp>
-      <mc:AlternateContent xmlns:mc="http://schemas.openxmlformats.org/markup-compatibility/2006">
-        <mc:Choice xmlns:a14="http://schemas.microsoft.com/office/drawing/2010/main" Requires="a14">
+      <mc:AlternateContent xmlns:mc="http://schemas.openxmlformats.org/markup-compatibility/2006" xmlns:a14="http://schemas.microsoft.com/office/drawing/2010/main">
+        <mc:Choice Requires="a14">
           <p:sp>
             <p:nvSpPr>
               <p:cNvPr id="3" name="内容占位符 2">
@@ -6534,32 +6617,44 @@
                     <m:sSubSup>
                       <m:sSubSupPr>
                         <m:ctrlPr>
-                          <a:rPr lang="zh-CN" altLang="zh-CN" sz="2000" i="1"/>
+                          <a:rPr lang="zh-CN" altLang="zh-CN" sz="2000" i="1">
+                            <a:latin typeface="Cambria Math" panose="02040503050406030204" pitchFamily="18" charset="0"/>
+                          </a:rPr>
                         </m:ctrlPr>
                       </m:sSubSupPr>
                       <m:e>
                         <m:r>
-                          <a:rPr lang="en-US" altLang="zh-CN" sz="2000" i="1"/>
+                          <a:rPr lang="en-US" altLang="zh-CN" sz="2000" i="1">
+                            <a:latin typeface="Cambria Math" panose="02040503050406030204" pitchFamily="18" charset="0"/>
+                          </a:rPr>
                           <m:t>𝑥</m:t>
                         </m:r>
                       </m:e>
                       <m:sub>
                         <m:r>
-                          <a:rPr lang="en-US" altLang="zh-CN" sz="2000" i="1"/>
+                          <a:rPr lang="en-US" altLang="zh-CN" sz="2000" i="1">
+                            <a:latin typeface="Cambria Math" panose="02040503050406030204" pitchFamily="18" charset="0"/>
+                          </a:rPr>
                           <m:t>𝑗</m:t>
                         </m:r>
                       </m:sub>
                       <m:sup>
                         <m:r>
-                          <a:rPr lang="zh-CN" altLang="zh-CN" sz="2000" i="1"/>
+                          <a:rPr lang="zh-CN" altLang="zh-CN" sz="2000" i="1">
+                            <a:latin typeface="Cambria Math" panose="02040503050406030204" pitchFamily="18" charset="0"/>
+                          </a:rPr>
                           <m:t>（</m:t>
                         </m:r>
                         <m:r>
-                          <a:rPr lang="en-US" altLang="zh-CN" sz="2000" i="1"/>
+                          <a:rPr lang="en-US" altLang="zh-CN" sz="2000" i="1">
+                            <a:latin typeface="Cambria Math" panose="02040503050406030204" pitchFamily="18" charset="0"/>
+                          </a:rPr>
                           <m:t>𝑖</m:t>
                         </m:r>
                         <m:r>
-                          <a:rPr lang="zh-CN" altLang="zh-CN" sz="2000" i="1"/>
+                          <a:rPr lang="zh-CN" altLang="zh-CN" sz="2000" i="1">
+                            <a:latin typeface="Cambria Math" panose="02040503050406030204" pitchFamily="18" charset="0"/>
+                          </a:rPr>
                           <m:t>）</m:t>
                         </m:r>
                       </m:sup>
@@ -6605,18 +6700,24 @@
                     <m:sSub>
                       <m:sSubPr>
                         <m:ctrlPr>
-                          <a:rPr lang="zh-CN" altLang="zh-CN" sz="2000" i="1"/>
+                          <a:rPr lang="zh-CN" altLang="zh-CN" sz="2000" i="1">
+                            <a:latin typeface="Cambria Math" panose="02040503050406030204" pitchFamily="18" charset="0"/>
+                          </a:rPr>
                         </m:ctrlPr>
                       </m:sSubPr>
                       <m:e>
                         <m:r>
-                          <a:rPr lang="en-US" altLang="zh-CN" sz="2000" i="1"/>
+                          <a:rPr lang="en-US" altLang="zh-CN" sz="2000" i="1">
+                            <a:latin typeface="Cambria Math" panose="02040503050406030204" pitchFamily="18" charset="0"/>
+                          </a:rPr>
                           <m:t>𝑥</m:t>
                         </m:r>
                       </m:e>
                       <m:sub>
                         <m:r>
-                          <a:rPr lang="en-US" altLang="zh-CN" sz="2000" i="1"/>
+                          <a:rPr lang="en-US" altLang="zh-CN" sz="2000" i="1">
+                            <a:latin typeface="Cambria Math" panose="02040503050406030204" pitchFamily="18" charset="0"/>
+                          </a:rPr>
                           <m:t>𝑗</m:t>
                         </m:r>
                       </m:sub>
@@ -6632,66 +6733,90 @@
                     <m:sSub>
                       <m:sSubPr>
                         <m:ctrlPr>
-                          <a:rPr lang="zh-CN" altLang="zh-CN" sz="2000" i="1"/>
+                          <a:rPr lang="zh-CN" altLang="zh-CN" sz="2000" i="1">
+                            <a:latin typeface="Cambria Math" panose="02040503050406030204" pitchFamily="18" charset="0"/>
+                          </a:rPr>
                         </m:ctrlPr>
                       </m:sSubPr>
                       <m:e>
                         <m:r>
-                          <a:rPr lang="en-US" altLang="zh-CN" sz="2000" i="1"/>
+                          <a:rPr lang="en-US" altLang="zh-CN" sz="2000" i="1">
+                            <a:latin typeface="Cambria Math" panose="02040503050406030204" pitchFamily="18" charset="0"/>
+                          </a:rPr>
                           <m:t>𝑥</m:t>
                         </m:r>
                       </m:e>
                       <m:sub>
                         <m:r>
-                          <a:rPr lang="en-US" altLang="zh-CN" sz="2000" i="1"/>
+                          <a:rPr lang="en-US" altLang="zh-CN" sz="2000" i="1">
+                            <a:latin typeface="Cambria Math" panose="02040503050406030204" pitchFamily="18" charset="0"/>
+                          </a:rPr>
                           <m:t>𝑗</m:t>
                         </m:r>
                       </m:sub>
                     </m:sSub>
                     <m:r>
-                      <a:rPr lang="en-US" altLang="zh-CN" sz="2000" i="1"/>
+                      <a:rPr lang="en-US" altLang="zh-CN" sz="2000" i="1">
+                        <a:latin typeface="Cambria Math" panose="02040503050406030204" pitchFamily="18" charset="0"/>
+                      </a:rPr>
                       <m:t>~</m:t>
                     </m:r>
                     <m:r>
-                      <a:rPr lang="zh-CN" altLang="en-US" sz="2000" i="1"/>
+                      <a:rPr lang="zh-CN" altLang="en-US" sz="2000" i="1">
+                        <a:latin typeface="Cambria Math" panose="02040503050406030204" pitchFamily="18" charset="0"/>
+                      </a:rPr>
                       <m:t>𝛮</m:t>
                     </m:r>
                     <m:r>
-                      <a:rPr lang="zh-CN" altLang="zh-CN" sz="2000" i="1"/>
+                      <a:rPr lang="zh-CN" altLang="zh-CN" sz="2000" i="1">
+                        <a:latin typeface="Cambria Math" panose="02040503050406030204" pitchFamily="18" charset="0"/>
+                      </a:rPr>
                       <m:t>（</m:t>
                     </m:r>
                     <m:sSub>
                       <m:sSubPr>
                         <m:ctrlPr>
-                          <a:rPr lang="zh-CN" altLang="zh-CN" sz="2000" i="1"/>
+                          <a:rPr lang="zh-CN" altLang="zh-CN" sz="2000" i="1">
+                            <a:latin typeface="Cambria Math" panose="02040503050406030204" pitchFamily="18" charset="0"/>
+                          </a:rPr>
                         </m:ctrlPr>
                       </m:sSubPr>
                       <m:e>
                         <m:r>
-                          <a:rPr lang="en-US" altLang="zh-CN" sz="2000" i="1"/>
+                          <a:rPr lang="en-US" altLang="zh-CN" sz="2000" i="1">
+                            <a:latin typeface="Cambria Math" panose="02040503050406030204" pitchFamily="18" charset="0"/>
+                          </a:rPr>
                           <m:t>𝜇</m:t>
                         </m:r>
                       </m:e>
                       <m:sub>
                         <m:r>
-                          <a:rPr lang="en-US" altLang="zh-CN" sz="2000" i="1"/>
+                          <a:rPr lang="en-US" altLang="zh-CN" sz="2000" i="1">
+                            <a:latin typeface="Cambria Math" panose="02040503050406030204" pitchFamily="18" charset="0"/>
+                          </a:rPr>
                           <m:t>𝑗</m:t>
                         </m:r>
                       </m:sub>
                     </m:sSub>
                     <m:r>
-                      <a:rPr lang="zh-CN" altLang="zh-CN" sz="2000" i="1"/>
+                      <a:rPr lang="zh-CN" altLang="zh-CN" sz="2000" i="1">
+                        <a:latin typeface="Cambria Math" panose="02040503050406030204" pitchFamily="18" charset="0"/>
+                      </a:rPr>
                       <m:t>，</m:t>
                     </m:r>
                     <m:sSubSup>
                       <m:sSubSupPr>
                         <m:ctrlPr>
-                          <a:rPr lang="zh-CN" altLang="zh-CN" sz="2000" i="1"/>
+                          <a:rPr lang="zh-CN" altLang="zh-CN" sz="2000" i="1">
+                            <a:latin typeface="Cambria Math" panose="02040503050406030204" pitchFamily="18" charset="0"/>
+                          </a:rPr>
                         </m:ctrlPr>
                       </m:sSubSupPr>
                       <m:e>
                         <m:r>
-                          <a:rPr lang="en-US" altLang="zh-CN" sz="2000" i="1"/>
+                          <a:rPr lang="en-US" altLang="zh-CN" sz="2000" i="1">
+                            <a:latin typeface="Cambria Math" panose="02040503050406030204" pitchFamily="18" charset="0"/>
+                          </a:rPr>
                           <m:t>𝜎</m:t>
                         </m:r>
                         <m:r>
@@ -6703,19 +6828,25 @@
                       </m:e>
                       <m:sub>
                         <m:r>
-                          <a:rPr lang="en-US" altLang="zh-CN" sz="2000" i="1"/>
+                          <a:rPr lang="en-US" altLang="zh-CN" sz="2000" i="1">
+                            <a:latin typeface="Cambria Math" panose="02040503050406030204" pitchFamily="18" charset="0"/>
+                          </a:rPr>
                           <m:t>𝑗</m:t>
                         </m:r>
                       </m:sub>
                       <m:sup>
                         <m:r>
-                          <a:rPr lang="en-US" altLang="zh-CN" sz="2000" i="1"/>
+                          <a:rPr lang="en-US" altLang="zh-CN" sz="2000" i="1">
+                            <a:latin typeface="Cambria Math" panose="02040503050406030204" pitchFamily="18" charset="0"/>
+                          </a:rPr>
                           <m:t>2</m:t>
                         </m:r>
                       </m:sup>
                     </m:sSubSup>
                     <m:r>
-                      <a:rPr lang="zh-CN" altLang="zh-CN" sz="2000" i="1"/>
+                      <a:rPr lang="zh-CN" altLang="zh-CN" sz="2000" i="1">
+                        <a:latin typeface="Cambria Math" panose="02040503050406030204" pitchFamily="18" charset="0"/>
+                      </a:rPr>
                       <m:t>）</m:t>
                     </m:r>
                   </m:oMath>
@@ -6735,7 +6866,7 @@
             </p:txBody>
           </p:sp>
         </mc:Choice>
-        <mc:Fallback>
+        <mc:Fallback xmlns="">
           <p:sp>
             <p:nvSpPr>
               <p:cNvPr id="3" name="内容占位符 2">
@@ -7092,8 +7223,8 @@
           </a:p>
         </p:txBody>
       </p:sp>
-      <mc:AlternateContent xmlns:mc="http://schemas.openxmlformats.org/markup-compatibility/2006">
-        <mc:Choice xmlns:a14="http://schemas.microsoft.com/office/drawing/2010/main" Requires="a14">
+      <mc:AlternateContent xmlns:mc="http://schemas.openxmlformats.org/markup-compatibility/2006" xmlns:a14="http://schemas.microsoft.com/office/drawing/2010/main">
+        <mc:Choice Requires="a14">
           <p:sp>
             <p:nvSpPr>
               <p:cNvPr id="6" name="文本框 5">
@@ -7204,15 +7335,21 @@
                 <a14:m>
                   <m:oMath xmlns:m="http://schemas.openxmlformats.org/officeDocument/2006/math">
                     <m:r>
-                      <a:rPr lang="en-US" altLang="zh-CN" i="1"/>
+                      <a:rPr lang="en-US" altLang="zh-CN" i="1">
+                        <a:latin typeface="Cambria Math" panose="02040503050406030204" pitchFamily="18" charset="0"/>
+                      </a:rPr>
                       <m:t>𝑡</m:t>
                     </m:r>
                     <m:r>
-                      <a:rPr lang="en-US" altLang="zh-CN" i="1"/>
+                      <a:rPr lang="en-US" altLang="zh-CN" i="1">
+                        <a:latin typeface="Cambria Math" panose="02040503050406030204" pitchFamily="18" charset="0"/>
+                      </a:rPr>
                       <m:t>=</m:t>
                     </m:r>
                     <m:r>
-                      <a:rPr lang="en-US" altLang="zh-CN" i="1"/>
+                      <a:rPr lang="en-US" altLang="zh-CN" i="1">
+                        <a:latin typeface="Cambria Math" panose="02040503050406030204" pitchFamily="18" charset="0"/>
+                      </a:rPr>
                       <m:t>𝑓</m:t>
                     </m:r>
                   </m:oMath>
@@ -7227,25 +7364,33 @@
                       <m:accPr>
                         <m:chr m:val="⃗"/>
                         <m:ctrlPr>
-                          <a:rPr lang="zh-CN" altLang="zh-CN" i="1"/>
+                          <a:rPr lang="zh-CN" altLang="zh-CN" i="1">
+                            <a:latin typeface="Cambria Math" panose="02040503050406030204" pitchFamily="18" charset="0"/>
+                          </a:rPr>
                         </m:ctrlPr>
                       </m:accPr>
                       <m:e>
                         <m:sSup>
                           <m:sSupPr>
                             <m:ctrlPr>
-                              <a:rPr lang="zh-CN" altLang="zh-CN" i="1"/>
+                              <a:rPr lang="zh-CN" altLang="zh-CN" i="1">
+                                <a:latin typeface="Cambria Math" panose="02040503050406030204" pitchFamily="18" charset="0"/>
+                              </a:rPr>
                             </m:ctrlPr>
                           </m:sSupPr>
                           <m:e>
                             <m:r>
-                              <a:rPr lang="en-US" altLang="zh-CN" i="1"/>
+                              <a:rPr lang="en-US" altLang="zh-CN" i="1">
+                                <a:latin typeface="Cambria Math" panose="02040503050406030204" pitchFamily="18" charset="0"/>
+                              </a:rPr>
                               <m:t>𝑊</m:t>
                             </m:r>
                           </m:e>
                           <m:sup>
                             <m:r>
-                              <a:rPr lang="en-US" altLang="zh-CN" i="1"/>
+                              <a:rPr lang="en-US" altLang="zh-CN" i="1">
+                                <a:latin typeface="Cambria Math" panose="02040503050406030204" pitchFamily="18" charset="0"/>
+                              </a:rPr>
                               <m:t>′</m:t>
                             </m:r>
                           </m:sup>
@@ -7256,26 +7401,36 @@
                       <m:accPr>
                         <m:chr m:val="⃗"/>
                         <m:ctrlPr>
-                          <a:rPr lang="zh-CN" altLang="zh-CN" i="1"/>
+                          <a:rPr lang="zh-CN" altLang="zh-CN" i="1">
+                            <a:latin typeface="Cambria Math" panose="02040503050406030204" pitchFamily="18" charset="0"/>
+                          </a:rPr>
                         </m:ctrlPr>
                       </m:accPr>
                       <m:e>
                         <m:r>
-                          <a:rPr lang="en-US" altLang="zh-CN" i="1"/>
+                          <a:rPr lang="en-US" altLang="zh-CN" i="1">
+                            <a:latin typeface="Cambria Math" panose="02040503050406030204" pitchFamily="18" charset="0"/>
+                          </a:rPr>
                           <m:t>𝐴</m:t>
                         </m:r>
                       </m:e>
                     </m:acc>
                     <m:r>
-                      <a:rPr lang="en-US" altLang="zh-CN" i="1"/>
+                      <a:rPr lang="en-US" altLang="zh-CN" i="1">
+                        <a:latin typeface="Cambria Math" panose="02040503050406030204" pitchFamily="18" charset="0"/>
+                      </a:rPr>
                       <m:t>+</m:t>
                     </m:r>
                     <m:r>
-                      <a:rPr lang="en-US" altLang="zh-CN" i="1"/>
+                      <a:rPr lang="en-US" altLang="zh-CN" i="1">
+                        <a:latin typeface="Cambria Math" panose="02040503050406030204" pitchFamily="18" charset="0"/>
+                      </a:rPr>
                       <m:t>𝑏</m:t>
                     </m:r>
                     <m:r>
-                      <a:rPr lang="en-US" altLang="zh-CN" i="1"/>
+                      <a:rPr lang="en-US" altLang="zh-CN" i="1">
+                        <a:latin typeface="Cambria Math" panose="02040503050406030204" pitchFamily="18" charset="0"/>
+                      </a:rPr>
                       <m:t>)</m:t>
                     </m:r>
                   </m:oMath>
@@ -7290,25 +7445,33 @@
                       <m:accPr>
                         <m:chr m:val="⃗"/>
                         <m:ctrlPr>
-                          <a:rPr lang="zh-CN" altLang="zh-CN" i="1"/>
+                          <a:rPr lang="zh-CN" altLang="zh-CN" i="1">
+                            <a:latin typeface="Cambria Math" panose="02040503050406030204" pitchFamily="18" charset="0"/>
+                          </a:rPr>
                         </m:ctrlPr>
                       </m:accPr>
                       <m:e>
                         <m:sSup>
                           <m:sSupPr>
                             <m:ctrlPr>
-                              <a:rPr lang="zh-CN" altLang="zh-CN" i="1"/>
+                              <a:rPr lang="zh-CN" altLang="zh-CN" i="1">
+                                <a:latin typeface="Cambria Math" panose="02040503050406030204" pitchFamily="18" charset="0"/>
+                              </a:rPr>
                             </m:ctrlPr>
                           </m:sSupPr>
                           <m:e>
                             <m:r>
-                              <a:rPr lang="en-US" altLang="zh-CN" i="1"/>
+                              <a:rPr lang="en-US" altLang="zh-CN" i="1">
+                                <a:latin typeface="Cambria Math" panose="02040503050406030204" pitchFamily="18" charset="0"/>
+                              </a:rPr>
                               <m:t>𝑊</m:t>
                             </m:r>
                           </m:e>
                           <m:sup>
                             <m:r>
-                              <a:rPr lang="en-US" altLang="zh-CN" i="1"/>
+                              <a:rPr lang="en-US" altLang="zh-CN" i="1">
+                                <a:latin typeface="Cambria Math" panose="02040503050406030204" pitchFamily="18" charset="0"/>
+                              </a:rPr>
                               <m:t>′</m:t>
                             </m:r>
                           </m:sup>
@@ -7316,19 +7479,25 @@
                       </m:e>
                     </m:acc>
                     <m:r>
-                      <a:rPr lang="zh-CN" altLang="zh-CN" i="1"/>
+                      <a:rPr lang="zh-CN" altLang="zh-CN" i="1">
+                        <a:latin typeface="Cambria Math" panose="02040503050406030204" pitchFamily="18" charset="0"/>
+                      </a:rPr>
                       <m:t>为</m:t>
                     </m:r>
                     <m:acc>
                       <m:accPr>
                         <m:chr m:val="⃗"/>
                         <m:ctrlPr>
-                          <a:rPr lang="zh-CN" altLang="zh-CN" i="1"/>
+                          <a:rPr lang="zh-CN" altLang="zh-CN" i="1">
+                            <a:latin typeface="Cambria Math" panose="02040503050406030204" pitchFamily="18" charset="0"/>
+                          </a:rPr>
                         </m:ctrlPr>
                       </m:accPr>
                       <m:e>
                         <m:r>
-                          <a:rPr lang="en-US" altLang="zh-CN" i="1"/>
+                          <a:rPr lang="en-US" altLang="zh-CN" i="1">
+                            <a:latin typeface="Cambria Math" panose="02040503050406030204" pitchFamily="18" charset="0"/>
+                          </a:rPr>
                           <m:t>𝑊</m:t>
                         </m:r>
                       </m:e>
@@ -7379,7 +7548,7 @@
             </p:txBody>
           </p:sp>
         </mc:Choice>
-        <mc:Fallback>
+        <mc:Fallback xmlns="">
           <p:sp>
             <p:nvSpPr>
               <p:cNvPr id="6" name="文本框 5">
@@ -7857,8 +8026,8 @@
           </a:p>
         </p:txBody>
       </p:sp>
-      <mc:AlternateContent xmlns:mc="http://schemas.openxmlformats.org/markup-compatibility/2006">
-        <mc:Choice xmlns:a14="http://schemas.microsoft.com/office/drawing/2010/main" Requires="a14">
+      <mc:AlternateContent xmlns:mc="http://schemas.openxmlformats.org/markup-compatibility/2006" xmlns:a14="http://schemas.microsoft.com/office/drawing/2010/main">
+        <mc:Choice Requires="a14">
           <p:sp>
             <p:nvSpPr>
               <p:cNvPr id="4" name="文本框 3">
@@ -7923,66 +8092,90 @@
                     <m:sSub>
                       <m:sSubPr>
                         <m:ctrlPr>
-                          <a:rPr lang="zh-CN" altLang="zh-CN" i="1"/>
+                          <a:rPr lang="zh-CN" altLang="zh-CN" i="1">
+                            <a:latin typeface="Cambria Math" panose="02040503050406030204" pitchFamily="18" charset="0"/>
+                          </a:rPr>
                         </m:ctrlPr>
                       </m:sSubPr>
                       <m:e>
                         <m:r>
-                          <a:rPr lang="en-US" altLang="zh-CN" i="1"/>
+                          <a:rPr lang="en-US" altLang="zh-CN" i="1">
+                            <a:latin typeface="Cambria Math" panose="02040503050406030204" pitchFamily="18" charset="0"/>
+                          </a:rPr>
                           <m:t>𝐹</m:t>
                         </m:r>
                       </m:e>
                       <m:sub>
                         <m:r>
-                          <a:rPr lang="en-US" altLang="zh-CN" i="1"/>
+                          <a:rPr lang="en-US" altLang="zh-CN" i="1">
+                            <a:latin typeface="Cambria Math" panose="02040503050406030204" pitchFamily="18" charset="0"/>
+                          </a:rPr>
                           <m:t>𝛽</m:t>
                         </m:r>
                       </m:sub>
                     </m:sSub>
                     <m:r>
-                      <a:rPr lang="en-US" altLang="zh-CN" i="1"/>
+                      <a:rPr lang="en-US" altLang="zh-CN" i="1">
+                        <a:latin typeface="Cambria Math" panose="02040503050406030204" pitchFamily="18" charset="0"/>
+                      </a:rPr>
                       <m:t>=</m:t>
                     </m:r>
                     <m:f>
                       <m:fPr>
                         <m:ctrlPr>
-                          <a:rPr lang="zh-CN" altLang="zh-CN" i="1"/>
+                          <a:rPr lang="zh-CN" altLang="zh-CN" i="1">
+                            <a:latin typeface="Cambria Math" panose="02040503050406030204" pitchFamily="18" charset="0"/>
+                          </a:rPr>
                         </m:ctrlPr>
                       </m:fPr>
                       <m:num>
                         <m:r>
-                          <a:rPr lang="zh-CN" altLang="zh-CN" i="1"/>
+                          <a:rPr lang="zh-CN" altLang="zh-CN" i="1">
+                            <a:latin typeface="Cambria Math" panose="02040503050406030204" pitchFamily="18" charset="0"/>
+                          </a:rPr>
                           <m:t>（</m:t>
                         </m:r>
                         <m:sSup>
                           <m:sSupPr>
                             <m:ctrlPr>
-                              <a:rPr lang="zh-CN" altLang="zh-CN" i="1"/>
+                              <a:rPr lang="zh-CN" altLang="zh-CN" i="1">
+                                <a:latin typeface="Cambria Math" panose="02040503050406030204" pitchFamily="18" charset="0"/>
+                              </a:rPr>
                             </m:ctrlPr>
                           </m:sSupPr>
                           <m:e>
                             <m:r>
-                              <a:rPr lang="en-US" altLang="zh-CN" i="1"/>
+                              <a:rPr lang="en-US" altLang="zh-CN" i="1">
+                                <a:latin typeface="Cambria Math" panose="02040503050406030204" pitchFamily="18" charset="0"/>
+                              </a:rPr>
                               <m:t>𝛽</m:t>
                             </m:r>
                           </m:e>
                           <m:sup>
                             <m:r>
-                              <a:rPr lang="en-US" altLang="zh-CN" i="1"/>
+                              <a:rPr lang="en-US" altLang="zh-CN" i="1">
+                                <a:latin typeface="Cambria Math" panose="02040503050406030204" pitchFamily="18" charset="0"/>
+                              </a:rPr>
                               <m:t>2</m:t>
                             </m:r>
                           </m:sup>
                         </m:sSup>
                         <m:r>
-                          <a:rPr lang="en-US" altLang="zh-CN" i="1"/>
+                          <a:rPr lang="en-US" altLang="zh-CN" i="1">
+                            <a:latin typeface="Cambria Math" panose="02040503050406030204" pitchFamily="18" charset="0"/>
+                          </a:rPr>
                           <m:t>+1</m:t>
                         </m:r>
                         <m:r>
-                          <a:rPr lang="zh-CN" altLang="zh-CN" i="1"/>
+                          <a:rPr lang="zh-CN" altLang="zh-CN" i="1">
+                            <a:latin typeface="Cambria Math" panose="02040503050406030204" pitchFamily="18" charset="0"/>
+                          </a:rPr>
                           <m:t>）</m:t>
                         </m:r>
                         <m:r>
-                          <a:rPr lang="en-US" altLang="zh-CN" i="1"/>
+                          <a:rPr lang="en-US" altLang="zh-CN" i="1">
+                            <a:latin typeface="Cambria Math" panose="02040503050406030204" pitchFamily="18" charset="0"/>
+                          </a:rPr>
                           <m:t>𝑃𝑅</m:t>
                         </m:r>
                       </m:num>
@@ -7990,32 +8183,44 @@
                         <m:sSup>
                           <m:sSupPr>
                             <m:ctrlPr>
-                              <a:rPr lang="zh-CN" altLang="zh-CN" i="1"/>
+                              <a:rPr lang="zh-CN" altLang="zh-CN" i="1">
+                                <a:latin typeface="Cambria Math" panose="02040503050406030204" pitchFamily="18" charset="0"/>
+                              </a:rPr>
                             </m:ctrlPr>
                           </m:sSupPr>
                           <m:e>
                             <m:r>
-                              <a:rPr lang="en-US" altLang="zh-CN" i="1"/>
+                              <a:rPr lang="en-US" altLang="zh-CN" i="1">
+                                <a:latin typeface="Cambria Math" panose="02040503050406030204" pitchFamily="18" charset="0"/>
+                              </a:rPr>
                               <m:t>𝛽</m:t>
                             </m:r>
                           </m:e>
                           <m:sup>
                             <m:r>
-                              <a:rPr lang="en-US" altLang="zh-CN" i="1"/>
+                              <a:rPr lang="en-US" altLang="zh-CN" i="1">
+                                <a:latin typeface="Cambria Math" panose="02040503050406030204" pitchFamily="18" charset="0"/>
+                              </a:rPr>
                               <m:t>2</m:t>
                             </m:r>
                           </m:sup>
                         </m:sSup>
                         <m:r>
-                          <a:rPr lang="en-US" altLang="zh-CN" i="1"/>
+                          <a:rPr lang="en-US" altLang="zh-CN" i="1">
+                            <a:latin typeface="Cambria Math" panose="02040503050406030204" pitchFamily="18" charset="0"/>
+                          </a:rPr>
                           <m:t>𝑃</m:t>
                         </m:r>
                         <m:r>
-                          <a:rPr lang="en-US" altLang="zh-CN" i="1"/>
+                          <a:rPr lang="en-US" altLang="zh-CN" i="1">
+                            <a:latin typeface="Cambria Math" panose="02040503050406030204" pitchFamily="18" charset="0"/>
+                          </a:rPr>
                           <m:t>+</m:t>
                         </m:r>
                         <m:r>
-                          <a:rPr lang="en-US" altLang="zh-CN" i="1"/>
+                          <a:rPr lang="en-US" altLang="zh-CN" i="1">
+                            <a:latin typeface="Cambria Math" panose="02040503050406030204" pitchFamily="18" charset="0"/>
+                          </a:rPr>
                           <m:t>𝑅</m:t>
                         </m:r>
                       </m:den>
@@ -8267,7 +8472,7 @@
             </p:txBody>
           </p:sp>
         </mc:Choice>
-        <mc:Fallback>
+        <mc:Fallback xmlns="">
           <p:sp>
             <p:nvSpPr>
               <p:cNvPr id="4" name="文本框 3">

--- a/基于HPC的攻击检测.pptx
+++ b/基于HPC的攻击检测.pptx
@@ -5100,7 +5100,7 @@
         <p:spPr>
           <a:xfrm>
             <a:off x="983226" y="1327355"/>
-            <a:ext cx="8146782" cy="646331"/>
+            <a:ext cx="8377614" cy="646331"/>
           </a:xfrm>
           <a:prstGeom prst="rect">
             <a:avLst/>
@@ -5123,7 +5123,15 @@
             </a:r>
             <a:r>
               <a:rPr lang="zh-CN" altLang="zh-CN" dirty="0"/>
-              <a:t>表示计算方差）</a:t>
+              <a:t>表示计算</a:t>
+            </a:r>
+            <a:r>
+              <a:rPr lang="zh-CN" altLang="en-US" dirty="0"/>
+              <a:t>协</a:t>
+            </a:r>
+            <a:r>
+              <a:rPr lang="zh-CN" altLang="zh-CN" dirty="0"/>
+              <a:t>方差）</a:t>
             </a:r>
           </a:p>
           <a:p>
@@ -8026,8 +8034,8 @@
           </a:p>
         </p:txBody>
       </p:sp>
-      <mc:AlternateContent xmlns:mc="http://schemas.openxmlformats.org/markup-compatibility/2006" xmlns:a14="http://schemas.microsoft.com/office/drawing/2010/main">
-        <mc:Choice Requires="a14">
+      <mc:AlternateContent xmlns:mc="http://schemas.openxmlformats.org/markup-compatibility/2006">
+        <mc:Choice xmlns:a14="http://schemas.microsoft.com/office/drawing/2010/main" Requires="a14">
           <p:sp>
             <p:nvSpPr>
               <p:cNvPr id="4" name="文本框 3">
@@ -8042,8 +8050,8 @@
             </p:nvSpPr>
             <p:spPr>
               <a:xfrm>
-                <a:off x="752168" y="2091812"/>
-                <a:ext cx="10427110" cy="4742452"/>
+                <a:off x="752167" y="2091812"/>
+                <a:ext cx="10427110" cy="4188326"/>
               </a:xfrm>
               <a:prstGeom prst="rect">
                 <a:avLst/>
@@ -8312,101 +8320,24 @@
                 <a:endParaRPr lang="en-US" altLang="zh-CN" dirty="0"/>
               </a:p>
               <a:p>
-                <a:endParaRPr lang="zh-CN" altLang="zh-CN" dirty="0"/>
-              </a:p>
-              <a:p>
-                <a:r>
-                  <a:rPr lang="en-US" altLang="zh-CN" dirty="0"/>
-                  <a:t>TP</a:t>
-                </a:r>
-                <a:r>
-                  <a:rPr lang="zh-CN" altLang="zh-CN" dirty="0"/>
-                  <a:t>（</a:t>
-                </a:r>
-                <a:r>
-                  <a:rPr lang="en-US" altLang="zh-CN" dirty="0"/>
-                  <a:t>True positives</a:t>
-                </a:r>
-                <a:r>
-                  <a:rPr lang="zh-CN" altLang="zh-CN" dirty="0"/>
-                  <a:t>）：正类判断为正类 （属于此类的判断为属于此类）</a:t>
-                </a:r>
-              </a:p>
-              <a:p>
-                <a:r>
-                  <a:rPr lang="en-US" altLang="zh-CN" dirty="0"/>
-                  <a:t>FP</a:t>
-                </a:r>
-                <a:r>
-                  <a:rPr lang="zh-CN" altLang="zh-CN" dirty="0"/>
-                  <a:t>（</a:t>
-                </a:r>
-                <a:r>
-                  <a:rPr lang="en-US" altLang="zh-CN" dirty="0"/>
-                  <a:t>False positives</a:t>
-                </a:r>
-                <a:r>
-                  <a:rPr lang="zh-CN" altLang="zh-CN" dirty="0"/>
-                  <a:t>）</a:t>
-                </a:r>
-                <a:r>
-                  <a:rPr lang="en-US" altLang="zh-CN" dirty="0"/>
-                  <a:t>:  </a:t>
-                </a:r>
-                <a:r>
-                  <a:rPr lang="zh-CN" altLang="zh-CN" dirty="0"/>
-                  <a:t>负类误判断为正类（存伪，即将不属于此类的样本误判为属于此类）</a:t>
-                </a:r>
-              </a:p>
-              <a:p>
-                <a:r>
-                  <a:rPr lang="en-US" altLang="zh-CN" dirty="0"/>
-                  <a:t>FN</a:t>
-                </a:r>
-                <a:r>
-                  <a:rPr lang="zh-CN" altLang="zh-CN" dirty="0"/>
-                  <a:t>（</a:t>
-                </a:r>
-                <a:r>
-                  <a:rPr lang="en-US" altLang="zh-CN" dirty="0"/>
-                  <a:t>False negatives</a:t>
-                </a:r>
-                <a:r>
-                  <a:rPr lang="zh-CN" altLang="zh-CN" dirty="0"/>
-                  <a:t>）：正类误判断为负类（去真，即属于此类的样本没有判断出来，误以为它不属于此类）</a:t>
-                </a:r>
-              </a:p>
-              <a:p>
-                <a:r>
-                  <a:rPr lang="en-US" altLang="zh-CN" dirty="0"/>
-                  <a:t>TN</a:t>
-                </a:r>
-                <a:r>
-                  <a:rPr lang="zh-CN" altLang="zh-CN" dirty="0"/>
-                  <a:t>（</a:t>
-                </a:r>
-                <a:r>
-                  <a:rPr lang="en-US" altLang="zh-CN" dirty="0"/>
-                  <a:t>True negatives</a:t>
-                </a:r>
-                <a:r>
-                  <a:rPr lang="zh-CN" altLang="zh-CN" dirty="0"/>
-                  <a:t>）</a:t>
-                </a:r>
-                <a:r>
-                  <a:rPr lang="en-US" altLang="zh-CN" dirty="0"/>
-                  <a:t>:</a:t>
-                </a:r>
-                <a:r>
-                  <a:rPr lang="zh-CN" altLang="zh-CN" dirty="0"/>
-                  <a:t>负类判断为负类  （不属于此类的判断为不属于此类）</a:t>
-                </a:r>
                 <a:endParaRPr lang="en-US" altLang="zh-CN" dirty="0"/>
               </a:p>
               <a:p>
                 <a:endParaRPr lang="zh-CN" altLang="zh-CN" dirty="0"/>
               </a:p>
               <a:p>
+                <a:endParaRPr lang="en-US" altLang="zh-CN" dirty="0"/>
+              </a:p>
+              <a:p>
+                <a:endParaRPr lang="en-US" altLang="zh-CN" dirty="0"/>
+              </a:p>
+              <a:p>
+                <a:endParaRPr lang="en-US" altLang="zh-CN" dirty="0"/>
+              </a:p>
+              <a:p>
+                <a:endParaRPr lang="zh-CN" altLang="zh-CN" dirty="0"/>
+              </a:p>
+              <a:p>
                 <a:r>
                   <a:rPr lang="zh-CN" altLang="zh-CN" dirty="0"/>
                   <a:t>准确率</a:t>
@@ -8465,14 +8396,11 @@
                   <a:rPr lang="zh-CN" altLang="zh-CN" dirty="0"/>
                   <a:t>去真）</a:t>
                 </a:r>
-              </a:p>
-              <a:p>
-                <a:endParaRPr lang="zh-CN" altLang="en-US" dirty="0"/>
               </a:p>
             </p:txBody>
           </p:sp>
         </mc:Choice>
-        <mc:Fallback xmlns="">
+        <mc:Fallback>
           <p:sp>
             <p:nvSpPr>
               <p:cNvPr id="4" name="文本框 3">
@@ -8489,8 +8417,8 @@
             </p:nvSpPr>
             <p:spPr>
               <a:xfrm>
-                <a:off x="752168" y="2091812"/>
-                <a:ext cx="10427110" cy="4742452"/>
+                <a:off x="752167" y="2091812"/>
+                <a:ext cx="10427110" cy="4188326"/>
               </a:xfrm>
               <a:prstGeom prst="rect">
                 <a:avLst/>
@@ -8498,7 +8426,7 @@
               <a:blipFill>
                 <a:blip r:embed="rId2"/>
                 <a:stretch>
-                  <a:fillRect l="-468" t="-643" r="-351"/>
+                  <a:fillRect l="-468" t="-728" r="-117" b="-1310"/>
                 </a:stretch>
               </a:blipFill>
             </p:spPr>
@@ -8517,6 +8445,208 @@
           </p:sp>
         </mc:Fallback>
       </mc:AlternateContent>
+      <p:graphicFrame>
+        <p:nvGraphicFramePr>
+          <p:cNvPr id="5" name="表格 5">
+            <a:extLst>
+              <a:ext uri="{FF2B5EF4-FFF2-40B4-BE49-F238E27FC236}">
+                <a16:creationId xmlns:a16="http://schemas.microsoft.com/office/drawing/2014/main" id="{BF201AD7-D0CC-4E6C-B0A7-011F927974D5}"/>
+              </a:ext>
+            </a:extLst>
+          </p:cNvPr>
+          <p:cNvGraphicFramePr>
+            <a:graphicFrameLocks noGrp="1"/>
+          </p:cNvGraphicFramePr>
+          <p:nvPr>
+            <p:extLst>
+              <p:ext uri="{D42A27DB-BD31-4B8C-83A1-F6EECF244321}">
+                <p14:modId xmlns:p14="http://schemas.microsoft.com/office/powerpoint/2010/main" val="2250187638"/>
+              </p:ext>
+            </p:extLst>
+          </p:nvPr>
+        </p:nvGraphicFramePr>
+        <p:xfrm>
+          <a:off x="838200" y="4264170"/>
+          <a:ext cx="8127999" cy="1107440"/>
+        </p:xfrm>
+        <a:graphic>
+          <a:graphicData uri="http://schemas.openxmlformats.org/drawingml/2006/table">
+            <a:tbl>
+              <a:tblPr firstRow="1" bandRow="1">
+                <a:tableStyleId>{5C22544A-7EE6-4342-B048-85BDC9FD1C3A}</a:tableStyleId>
+              </a:tblPr>
+              <a:tblGrid>
+                <a:gridCol w="2643188">
+                  <a:extLst>
+                    <a:ext uri="{9D8B030D-6E8A-4147-A177-3AD203B41FA5}">
+                      <a16:colId xmlns:a16="http://schemas.microsoft.com/office/drawing/2014/main" val="1673108679"/>
+                    </a:ext>
+                  </a:extLst>
+                </a:gridCol>
+                <a:gridCol w="2775478">
+                  <a:extLst>
+                    <a:ext uri="{9D8B030D-6E8A-4147-A177-3AD203B41FA5}">
+                      <a16:colId xmlns:a16="http://schemas.microsoft.com/office/drawing/2014/main" val="2603606494"/>
+                    </a:ext>
+                  </a:extLst>
+                </a:gridCol>
+                <a:gridCol w="2709333">
+                  <a:extLst>
+                    <a:ext uri="{9D8B030D-6E8A-4147-A177-3AD203B41FA5}">
+                      <a16:colId xmlns:a16="http://schemas.microsoft.com/office/drawing/2014/main" val="2463586567"/>
+                    </a:ext>
+                  </a:extLst>
+                </a:gridCol>
+              </a:tblGrid>
+              <a:tr h="244932">
+                <a:tc>
+                  <a:txBody>
+                    <a:bodyPr/>
+                    <a:lstStyle/>
+                    <a:p>
+                      <a:endParaRPr lang="zh-CN" altLang="en-US"/>
+                    </a:p>
+                  </a:txBody>
+                  <a:tcPr/>
+                </a:tc>
+                <a:tc>
+                  <a:txBody>
+                    <a:bodyPr/>
+                    <a:lstStyle/>
+                    <a:p>
+                      <a:r>
+                        <a:rPr lang="zh-CN" altLang="en-US" dirty="0"/>
+                        <a:t>正类</a:t>
+                      </a:r>
+                    </a:p>
+                  </a:txBody>
+                  <a:tcPr/>
+                </a:tc>
+                <a:tc>
+                  <a:txBody>
+                    <a:bodyPr/>
+                    <a:lstStyle/>
+                    <a:p>
+                      <a:r>
+                        <a:rPr lang="zh-CN" altLang="en-US" dirty="0"/>
+                        <a:t>负类</a:t>
+                      </a:r>
+                    </a:p>
+                  </a:txBody>
+                  <a:tcPr/>
+                </a:tc>
+                <a:extLst>
+                  <a:ext uri="{0D108BD9-81ED-4DB2-BD59-A6C34878D82A}">
+                    <a16:rowId xmlns:a16="http://schemas.microsoft.com/office/drawing/2014/main" val="244845291"/>
+                  </a:ext>
+                </a:extLst>
+              </a:tr>
+              <a:tr h="370840">
+                <a:tc>
+                  <a:txBody>
+                    <a:bodyPr/>
+                    <a:lstStyle/>
+                    <a:p>
+                      <a:r>
+                        <a:rPr lang="zh-CN" altLang="en-US" dirty="0"/>
+                        <a:t>被检索到</a:t>
+                      </a:r>
+                    </a:p>
+                  </a:txBody>
+                  <a:tcPr/>
+                </a:tc>
+                <a:tc>
+                  <a:txBody>
+                    <a:bodyPr/>
+                    <a:lstStyle/>
+                    <a:p>
+                      <a:r>
+                        <a:rPr lang="en-US" altLang="zh-CN" dirty="0"/>
+                        <a:t>TP</a:t>
+                      </a:r>
+                      <a:endParaRPr lang="zh-CN" altLang="en-US" dirty="0"/>
+                    </a:p>
+                  </a:txBody>
+                  <a:tcPr/>
+                </a:tc>
+                <a:tc>
+                  <a:txBody>
+                    <a:bodyPr/>
+                    <a:lstStyle/>
+                    <a:p>
+                      <a:r>
+                        <a:rPr lang="en-US" altLang="zh-CN" dirty="0"/>
+                        <a:t>FP</a:t>
+                      </a:r>
+                      <a:r>
+                        <a:rPr lang="zh-CN" altLang="en-US" dirty="0"/>
+                        <a:t>（存伪）</a:t>
+                      </a:r>
+                    </a:p>
+                  </a:txBody>
+                  <a:tcPr/>
+                </a:tc>
+                <a:extLst>
+                  <a:ext uri="{0D108BD9-81ED-4DB2-BD59-A6C34878D82A}">
+                    <a16:rowId xmlns:a16="http://schemas.microsoft.com/office/drawing/2014/main" val="2656708062"/>
+                  </a:ext>
+                </a:extLst>
+              </a:tr>
+              <a:tr h="370840">
+                <a:tc>
+                  <a:txBody>
+                    <a:bodyPr/>
+                    <a:lstStyle/>
+                    <a:p>
+                      <a:r>
+                        <a:rPr lang="zh-CN" altLang="en-US" dirty="0"/>
+                        <a:t>未被检索到</a:t>
+                      </a:r>
+                    </a:p>
+                  </a:txBody>
+                  <a:tcPr/>
+                </a:tc>
+                <a:tc>
+                  <a:txBody>
+                    <a:bodyPr/>
+                    <a:lstStyle/>
+                    <a:p>
+                      <a:r>
+                        <a:rPr lang="en-US" altLang="zh-CN" dirty="0"/>
+                        <a:t>FN</a:t>
+                      </a:r>
+                      <a:r>
+                        <a:rPr lang="zh-CN" altLang="en-US" dirty="0"/>
+                        <a:t>（去真）</a:t>
+                      </a:r>
+                    </a:p>
+                  </a:txBody>
+                  <a:tcPr/>
+                </a:tc>
+                <a:tc>
+                  <a:txBody>
+                    <a:bodyPr/>
+                    <a:lstStyle/>
+                    <a:p>
+                      <a:r>
+                        <a:rPr lang="en-US" altLang="zh-CN" dirty="0"/>
+                        <a:t>TN</a:t>
+                      </a:r>
+                      <a:endParaRPr lang="zh-CN" altLang="en-US" dirty="0"/>
+                    </a:p>
+                  </a:txBody>
+                  <a:tcPr/>
+                </a:tc>
+                <a:extLst>
+                  <a:ext uri="{0D108BD9-81ED-4DB2-BD59-A6C34878D82A}">
+                    <a16:rowId xmlns:a16="http://schemas.microsoft.com/office/drawing/2014/main" val="987254878"/>
+                  </a:ext>
+                </a:extLst>
+              </a:tr>
+            </a:tbl>
+          </a:graphicData>
+        </a:graphic>
+      </p:graphicFrame>
     </p:spTree>
     <p:extLst>
       <p:ext uri="{BB962C8B-B14F-4D97-AF65-F5344CB8AC3E}">
